--- a/Presentation.pptx
+++ b/Presentation.pptx
@@ -14,6 +14,8 @@
     <p:sldId id="259" r:id="rId11"/>
     <p:sldId id="260" r:id="rId12"/>
     <p:sldId id="261" r:id="rId13"/>
+    <p:sldId id="262" r:id="rId14"/>
+    <p:sldId id="263" r:id="rId15"/>
   </p:sldIdLst>
   <p:sldSz cx="12192000" cy="6858000"/>
   <p:notesSz cx="6858000" cy="9144000"/>
@@ -15449,16 +15451,47 @@
           <a:chExt cx="0" cy="0"/>
         </a:xfrm>
       </p:grpSpPr>
+      <p:pic>
+        <p:nvPicPr>
+          <p:cNvPr id="348" name="Google Shape;212;g1057795b482_0_0" descr="Google Shape;212;g1057795b482_0_0"/>
+          <p:cNvPicPr>
+            <a:picLocks noChangeAspect="1"/>
+          </p:cNvPicPr>
+          <p:nvPr/>
+        </p:nvPicPr>
+        <p:blipFill>
+          <a:blip r:embed="rId2">
+            <a:extLst/>
+          </a:blip>
+          <a:stretch>
+            <a:fillRect/>
+          </a:stretch>
+        </p:blipFill>
+        <p:spPr>
+          <a:xfrm>
+            <a:off x="-13076" y="2728"/>
+            <a:ext cx="2136016" cy="683072"/>
+          </a:xfrm>
+          <a:prstGeom prst="rect">
+            <a:avLst/>
+          </a:prstGeom>
+          <a:ln w="12700">
+            <a:miter lim="400000"/>
+          </a:ln>
+        </p:spPr>
+      </p:pic>
       <p:sp>
         <p:nvSpPr>
-          <p:cNvPr id="348" name="В результате работы были решены следующие задачи:…"/>
+          <p:cNvPr id="349" name="Архитектура приложения:"/>
           <p:cNvSpPr txBox="1"/>
-          <p:nvPr/>
+          <p:nvPr>
+            <p:ph type="title"/>
+          </p:nvPr>
         </p:nvSpPr>
         <p:spPr>
           <a:xfrm>
-            <a:off x="381000" y="825229"/>
-            <a:ext cx="11430000" cy="3651217"/>
+            <a:off x="381000" y="719519"/>
+            <a:ext cx="11430000" cy="5715001"/>
           </a:xfrm>
           <a:prstGeom prst="rect">
             <a:avLst/>
@@ -15466,154 +15499,41 @@
           <a:solidFill>
             <a:srgbClr val="FFFFFF"/>
           </a:solidFill>
-          <a:ln w="12700">
-            <a:miter lim="400000"/>
-          </a:ln>
-          <a:extLst>
-            <a:ext uri="{C572A759-6A51-4108-AA02-DFA0A04FC94B}">
-              <ma14:wrappingTextBoxFlag xmlns:ma14="http://schemas.microsoft.com/office/mac/drawingml/2011/main" val="1"/>
-            </a:ext>
-          </a:extLst>
         </p:spPr>
         <p:txBody>
-          <a:bodyPr lIns="0" tIns="0" rIns="0" bIns="0">
-            <a:spAutoFit/>
-          </a:bodyPr>
-          <a:lstStyle/>
-          <a:p>
-            <a:pPr>
-              <a:defRPr sz="1700"/>
-            </a:pPr>
-          </a:p>
-          <a:p>
-            <a:pPr>
+          <a:bodyPr/>
+          <a:lstStyle>
+            <a:lvl1pPr algn="just">
+              <a:lnSpc>
+                <a:spcPct val="100000"/>
+              </a:lnSpc>
+              <a:spcBef>
+                <a:spcPts val="1000"/>
+              </a:spcBef>
               <a:defRPr b="1" sz="1700" u="sng">
                 <a:solidFill>
                   <a:schemeClr val="accent6">
                     <a:lumOff val="-9568"/>
                   </a:schemeClr>
                 </a:solidFill>
+                <a:latin typeface="+mn-lt"/>
+                <a:ea typeface="+mn-ea"/>
+                <a:cs typeface="+mn-cs"/>
+                <a:sym typeface="Arial"/>
               </a:defRPr>
-            </a:pPr>
-            <a:r>
-              <a:t>В результате работы были решены следующие задачи:</a:t>
-            </a:r>
-          </a:p>
-          <a:p>
-            <a:pPr>
-              <a:defRPr sz="1700"/>
-            </a:pPr>
-          </a:p>
-          <a:p>
-            <a:pPr marL="482600" indent="-228600">
-              <a:lnSpc>
-                <a:spcPct val="150000"/>
-              </a:lnSpc>
-              <a:buSzPct val="80000"/>
-              <a:buBlip>
-                <a:blip r:embed="rId2"/>
-              </a:buBlip>
-              <a:defRPr sz="1700"/>
-            </a:pPr>
-            <a:r>
-              <a:t>   Изучены и выбраны технологии для разработки веб-приложения.</a:t>
-            </a:r>
-          </a:p>
-          <a:p>
-            <a:pPr marL="482600" indent="-228600">
-              <a:lnSpc>
-                <a:spcPct val="150000"/>
-              </a:lnSpc>
-              <a:buSzPct val="80000"/>
-              <a:buBlip>
-                <a:blip r:embed="rId2"/>
-              </a:buBlip>
-              <a:defRPr sz="1700"/>
-            </a:pPr>
-            <a:r>
-              <a:t>   Разработана адаптивная клиентская часть приложения.</a:t>
-            </a:r>
-          </a:p>
-          <a:p>
-            <a:pPr marL="482600" indent="-228600">
-              <a:lnSpc>
-                <a:spcPct val="150000"/>
-              </a:lnSpc>
-              <a:buSzPct val="80000"/>
-              <a:buBlip>
-                <a:blip r:embed="rId2"/>
-              </a:buBlip>
-              <a:defRPr sz="1700"/>
-            </a:pPr>
-            <a:r>
-              <a:t>   Разработана серверная часть приложения для взаимодействия со сторонним API.</a:t>
-            </a:r>
-          </a:p>
-          <a:p>
-            <a:pPr marL="482600" indent="-228600">
-              <a:lnSpc>
-                <a:spcPct val="150000"/>
-              </a:lnSpc>
-              <a:buSzPct val="80000"/>
-              <a:buBlip>
-                <a:blip r:embed="rId2"/>
-              </a:buBlip>
-              <a:defRPr sz="1700"/>
-            </a:pPr>
-            <a:r>
-              <a:t>   Предусмотрена возможность переключения языка просмотра (русский, английский).</a:t>
-            </a:r>
-          </a:p>
-          <a:p>
-            <a:pPr marL="482600" indent="-228600">
-              <a:lnSpc>
-                <a:spcPct val="150000"/>
-              </a:lnSpc>
-              <a:buSzPct val="80000"/>
-              <a:buBlip>
-                <a:blip r:embed="rId2"/>
-              </a:buBlip>
-              <a:defRPr sz="1700"/>
-            </a:pPr>
-            <a:r>
-              <a:t>   Предусмотрена возможность переключения цветовой темы сайта.</a:t>
-            </a:r>
-          </a:p>
-          <a:p>
-            <a:pPr marL="482600" indent="-228600">
-              <a:lnSpc>
-                <a:spcPct val="150000"/>
-              </a:lnSpc>
-              <a:buSzPct val="80000"/>
-              <a:buBlip>
-                <a:blip r:embed="rId2"/>
-              </a:buBlip>
-              <a:defRPr sz="1700"/>
-            </a:pPr>
-            <a:r>
-              <a:t>   Проведено тестирование серверной части приложения.</a:t>
-            </a:r>
-          </a:p>
-          <a:p>
-            <a:pPr marL="482600" indent="-228600">
-              <a:lnSpc>
-                <a:spcPct val="150000"/>
-              </a:lnSpc>
-              <a:buSzPct val="80000"/>
-              <a:buBlip>
-                <a:blip r:embed="rId2"/>
-              </a:buBlip>
-              <a:defRPr sz="1700"/>
-            </a:pPr>
-            <a:r>
-              <a:t>   Проведено тестирование клиентской части приложения.</a:t>
+            </a:lvl1pPr>
+          </a:lstStyle>
+          <a:p>
+            <a:pPr/>
+            <a:r>
+              <a:t>Архитектура приложения:</a:t>
             </a:r>
           </a:p>
         </p:txBody>
       </p:sp>
       <p:pic>
         <p:nvPicPr>
-          <p:cNvPr id="349" name="Google Shape;212;g1057795b482_0_0" descr="Google Shape;212;g1057795b482_0_0"/>
+          <p:cNvPr id="350" name="Untitled Diagram.drawio.png" descr="Untitled Diagram.drawio.png"/>
           <p:cNvPicPr>
             <a:picLocks noChangeAspect="1"/>
           </p:cNvPicPr>
@@ -15623,14 +15543,15 @@
           <a:blip r:embed="rId3">
             <a:extLst/>
           </a:blip>
+          <a:srcRect l="0" t="0" r="0" b="0"/>
           <a:stretch>
             <a:fillRect/>
           </a:stretch>
         </p:blipFill>
         <p:spPr>
           <a:xfrm>
-            <a:off x="-13076" y="2728"/>
-            <a:ext cx="2136016" cy="683072"/>
+            <a:off x="393654" y="1223844"/>
+            <a:ext cx="11404692" cy="4806624"/>
           </a:xfrm>
           <a:prstGeom prst="rect">
             <a:avLst/>
@@ -15642,7 +15563,7 @@
       </p:pic>
       <p:sp>
         <p:nvSpPr>
-          <p:cNvPr id="350" name="Номер слайда"/>
+          <p:cNvPr id="351" name="5"/>
           <p:cNvSpPr txBox="1"/>
           <p:nvPr>
             <p:ph type="sldNum" sz="quarter" idx="4294967295"/>
@@ -15666,13 +15587,7 @@
           <a:bodyPr wrap="square"/>
           <a:lstStyle>
             <a:lvl1pPr>
-              <a:defRPr sz="2000">
-                <a:solidFill>
-                  <a:schemeClr val="accent6">
-                    <a:lumOff val="-9568"/>
-                  </a:schemeClr>
-                </a:solidFill>
-              </a:defRPr>
+              <a:defRPr sz="2000"/>
             </a:lvl1pPr>
           </a:lstStyle>
           <a:p>
@@ -15707,85 +15622,9 @@
           <a:chExt cx="0" cy="0"/>
         </a:xfrm>
       </p:grpSpPr>
-      <p:sp>
-        <p:nvSpPr>
-          <p:cNvPr id="352" name="Google Shape;463;p20"/>
-          <p:cNvSpPr txBox="1"/>
-          <p:nvPr>
-            <p:ph type="body" sz="quarter" idx="1"/>
-          </p:nvPr>
-        </p:nvSpPr>
-        <p:spPr>
-          <a:xfrm>
-            <a:off x="9933016" y="6210986"/>
-            <a:ext cx="1930971" cy="337922"/>
-          </a:xfrm>
-          <a:prstGeom prst="rect">
-            <a:avLst/>
-          </a:prstGeom>
-        </p:spPr>
-        <p:txBody>
-          <a:bodyPr/>
-          <a:lstStyle>
-            <a:lvl1pPr marL="0">
-              <a:spcBef>
-                <a:spcPts val="0"/>
-              </a:spcBef>
-            </a:lvl1pPr>
-          </a:lstStyle>
-          <a:p>
-            <a:pPr/>
-            <a:r>
-              <a:t>Декабрь 2021 года</a:t>
-            </a:r>
-          </a:p>
-        </p:txBody>
-      </p:sp>
-      <p:sp>
-        <p:nvSpPr>
-          <p:cNvPr id="353" name="Google Shape;465;p20"/>
-          <p:cNvSpPr/>
-          <p:nvPr/>
-        </p:nvSpPr>
-        <p:spPr>
-          <a:xfrm>
-            <a:off x="9409042" y="4683228"/>
-            <a:ext cx="2199862" cy="589425"/>
-          </a:xfrm>
-          <a:prstGeom prst="rect">
-            <a:avLst/>
-          </a:prstGeom>
-          <a:solidFill>
-            <a:srgbClr val="FFFFFF"/>
-          </a:solidFill>
-          <a:ln w="12700">
-            <a:solidFill>
-              <a:srgbClr val="FFFFFF"/>
-            </a:solidFill>
-            <a:miter/>
-          </a:ln>
-        </p:spPr>
-        <p:txBody>
-          <a:bodyPr lIns="0" tIns="0" rIns="0" bIns="0" anchor="ctr"/>
-          <a:lstStyle/>
-          <a:p>
-            <a:pPr algn="ctr">
-              <a:defRPr sz="1800">
-                <a:solidFill>
-                  <a:srgbClr val="FFFFFF"/>
-                </a:solidFill>
-                <a:latin typeface="Calibri"/>
-                <a:ea typeface="Calibri"/>
-                <a:cs typeface="Calibri"/>
-                <a:sym typeface="Calibri"/>
-              </a:defRPr>
-            </a:pPr>
-          </a:p>
-        </p:txBody>
-      </p:sp>
       <p:pic>
         <p:nvPicPr>
-          <p:cNvPr id="354" name="Google Shape;466;p20" descr="Google Shape;466;p20"/>
+          <p:cNvPr id="353" name="Google Shape;212;g1057795b482_0_0" descr="Google Shape;212;g1057795b482_0_0"/>
           <p:cNvPicPr>
             <a:picLocks noChangeAspect="1"/>
           </p:cNvPicPr>
@@ -15801,8 +15640,8 @@
         </p:blipFill>
         <p:spPr>
           <a:xfrm>
-            <a:off x="7547" y="4238"/>
-            <a:ext cx="12196990" cy="4201187"/>
+            <a:off x="-13076" y="2728"/>
+            <a:ext cx="2136016" cy="683072"/>
           </a:xfrm>
           <a:prstGeom prst="rect">
             <a:avLst/>
@@ -15812,9 +15651,513 @@
           </a:ln>
         </p:spPr>
       </p:pic>
+      <p:sp>
+        <p:nvSpPr>
+          <p:cNvPr id="354" name="Функциональность клиентской части приложения:"/>
+          <p:cNvSpPr txBox="1"/>
+          <p:nvPr>
+            <p:ph type="title"/>
+          </p:nvPr>
+        </p:nvSpPr>
+        <p:spPr>
+          <a:xfrm>
+            <a:off x="381000" y="719519"/>
+            <a:ext cx="11430000" cy="5715001"/>
+          </a:xfrm>
+          <a:prstGeom prst="rect">
+            <a:avLst/>
+          </a:prstGeom>
+          <a:solidFill>
+            <a:srgbClr val="FFFFFF"/>
+          </a:solidFill>
+        </p:spPr>
+        <p:txBody>
+          <a:bodyPr/>
+          <a:lstStyle>
+            <a:lvl1pPr algn="just">
+              <a:lnSpc>
+                <a:spcPct val="100000"/>
+              </a:lnSpc>
+              <a:spcBef>
+                <a:spcPts val="1000"/>
+              </a:spcBef>
+              <a:defRPr b="1" sz="1700" u="sng">
+                <a:solidFill>
+                  <a:schemeClr val="accent6">
+                    <a:lumOff val="-9568"/>
+                  </a:schemeClr>
+                </a:solidFill>
+                <a:latin typeface="+mn-lt"/>
+                <a:ea typeface="+mn-ea"/>
+                <a:cs typeface="+mn-cs"/>
+                <a:sym typeface="Arial"/>
+              </a:defRPr>
+            </a:lvl1pPr>
+          </a:lstStyle>
+          <a:p>
+            <a:pPr/>
+            <a:r>
+              <a:t>Функциональность клиентской части приложения:</a:t>
+            </a:r>
+          </a:p>
+        </p:txBody>
+      </p:sp>
       <p:pic>
         <p:nvPicPr>
-          <p:cNvPr id="355" name="Google Shape;467;p20" descr="Google Shape;467;p20"/>
+          <p:cNvPr id="355" name="Untitled Diagram.drawio-5.png" descr="Untitled Diagram.drawio-5.png"/>
+          <p:cNvPicPr>
+            <a:picLocks noChangeAspect="1"/>
+          </p:cNvPicPr>
+          <p:nvPr/>
+        </p:nvPicPr>
+        <p:blipFill>
+          <a:blip r:embed="rId3">
+            <a:extLst/>
+          </a:blip>
+          <a:stretch>
+            <a:fillRect/>
+          </a:stretch>
+        </p:blipFill>
+        <p:spPr>
+          <a:xfrm>
+            <a:off x="1561220" y="1238437"/>
+            <a:ext cx="9069560" cy="5254814"/>
+          </a:xfrm>
+          <a:prstGeom prst="rect">
+            <a:avLst/>
+          </a:prstGeom>
+          <a:ln w="12700">
+            <a:miter lim="400000"/>
+          </a:ln>
+        </p:spPr>
+      </p:pic>
+      <p:sp>
+        <p:nvSpPr>
+          <p:cNvPr id="356" name="6"/>
+          <p:cNvSpPr txBox="1"/>
+          <p:nvPr>
+            <p:ph type="sldNum" sz="quarter" idx="4294967295"/>
+          </p:nvPr>
+        </p:nvSpPr>
+        <p:spPr>
+          <a:xfrm>
+            <a:off x="11552714" y="6369420"/>
+            <a:ext cx="416028" cy="340143"/>
+          </a:xfrm>
+          <a:prstGeom prst="rect">
+            <a:avLst/>
+          </a:prstGeom>
+          <a:extLst>
+            <a:ext uri="{C572A759-6A51-4108-AA02-DFA0A04FC94B}">
+              <ma14:wrappingTextBoxFlag xmlns:ma14="http://schemas.microsoft.com/office/mac/drawingml/2011/main" val="1"/>
+            </a:ext>
+          </a:extLst>
+        </p:spPr>
+        <p:txBody>
+          <a:bodyPr wrap="square"/>
+          <a:lstStyle>
+            <a:lvl1pPr>
+              <a:defRPr sz="2000"/>
+            </a:lvl1pPr>
+          </a:lstStyle>
+          <a:p>
+            <a:pPr/>
+            <a:fld id="{86CB4B4D-7CA3-9044-876B-883B54F8677D}" type="slidenum"/>
+          </a:p>
+        </p:txBody>
+      </p:sp>
+    </p:spTree>
+  </p:cSld>
+  <p:clrMapOvr>
+    <a:masterClrMapping/>
+  </p:clrMapOvr>
+  <p:transition xmlns:p14="http://schemas.microsoft.com/office/powerpoint/2010/main" spd="med" advClick="1"/>
+</p:sld>
+</file>
+
+<file path=ppt/slides/slide7.xml><?xml version="1.0" encoding="utf-8"?>
+<p:sld xmlns:a="http://schemas.openxmlformats.org/drawingml/2006/main" xmlns:r="http://schemas.openxmlformats.org/officeDocument/2006/relationships" xmlns:p="http://schemas.openxmlformats.org/presentationml/2006/main" xmlns:m="http://schemas.openxmlformats.org/officeDocument/2006/math" xmlns:a14="http://schemas.microsoft.com/office/drawing/2010/main" showMasterSp="1" showMasterPhAnim="1">
+  <p:cSld>
+    <p:spTree>
+      <p:nvGrpSpPr>
+        <p:cNvPr id="1" name=""/>
+        <p:cNvGrpSpPr/>
+        <p:nvPr/>
+      </p:nvGrpSpPr>
+      <p:grpSpPr>
+        <a:xfrm>
+          <a:off x="0" y="0"/>
+          <a:ext cx="0" cy="0"/>
+          <a:chOff x="0" y="0"/>
+          <a:chExt cx="0" cy="0"/>
+        </a:xfrm>
+      </p:grpSpPr>
+      <p:sp>
+        <p:nvSpPr>
+          <p:cNvPr id="358" name="В результате работы были решены следующие задачи:…"/>
+          <p:cNvSpPr txBox="1"/>
+          <p:nvPr/>
+        </p:nvSpPr>
+        <p:spPr>
+          <a:xfrm>
+            <a:off x="381000" y="825229"/>
+            <a:ext cx="11430000" cy="3651217"/>
+          </a:xfrm>
+          <a:prstGeom prst="rect">
+            <a:avLst/>
+          </a:prstGeom>
+          <a:solidFill>
+            <a:srgbClr val="FFFFFF"/>
+          </a:solidFill>
+          <a:ln w="12700">
+            <a:miter lim="400000"/>
+          </a:ln>
+          <a:extLst>
+            <a:ext uri="{C572A759-6A51-4108-AA02-DFA0A04FC94B}">
+              <ma14:wrappingTextBoxFlag xmlns:ma14="http://schemas.microsoft.com/office/mac/drawingml/2011/main" val="1"/>
+            </a:ext>
+          </a:extLst>
+        </p:spPr>
+        <p:txBody>
+          <a:bodyPr lIns="0" tIns="0" rIns="0" bIns="0">
+            <a:spAutoFit/>
+          </a:bodyPr>
+          <a:lstStyle/>
+          <a:p>
+            <a:pPr>
+              <a:defRPr sz="1700"/>
+            </a:pPr>
+          </a:p>
+          <a:p>
+            <a:pPr>
+              <a:defRPr b="1" sz="1700" u="sng">
+                <a:solidFill>
+                  <a:schemeClr val="accent6">
+                    <a:lumOff val="-9568"/>
+                  </a:schemeClr>
+                </a:solidFill>
+              </a:defRPr>
+            </a:pPr>
+            <a:r>
+              <a:t>В результате работы были решены следующие задачи:</a:t>
+            </a:r>
+          </a:p>
+          <a:p>
+            <a:pPr>
+              <a:defRPr sz="1700"/>
+            </a:pPr>
+          </a:p>
+          <a:p>
+            <a:pPr marL="482600" indent="-228600">
+              <a:lnSpc>
+                <a:spcPct val="150000"/>
+              </a:lnSpc>
+              <a:buSzPct val="80000"/>
+              <a:buBlip>
+                <a:blip r:embed="rId2"/>
+              </a:buBlip>
+              <a:defRPr sz="1700"/>
+            </a:pPr>
+            <a:r>
+              <a:t>   Изучены и выбраны технологии для разработки веб-приложения.</a:t>
+            </a:r>
+          </a:p>
+          <a:p>
+            <a:pPr marL="482600" indent="-228600">
+              <a:lnSpc>
+                <a:spcPct val="150000"/>
+              </a:lnSpc>
+              <a:buSzPct val="80000"/>
+              <a:buBlip>
+                <a:blip r:embed="rId2"/>
+              </a:buBlip>
+              <a:defRPr sz="1700"/>
+            </a:pPr>
+            <a:r>
+              <a:t>   Разработана адаптивная клиентская часть приложения.</a:t>
+            </a:r>
+          </a:p>
+          <a:p>
+            <a:pPr marL="482600" indent="-228600">
+              <a:lnSpc>
+                <a:spcPct val="150000"/>
+              </a:lnSpc>
+              <a:buSzPct val="80000"/>
+              <a:buBlip>
+                <a:blip r:embed="rId2"/>
+              </a:buBlip>
+              <a:defRPr sz="1700"/>
+            </a:pPr>
+            <a:r>
+              <a:t>   Разработана серверная часть приложения для взаимодействия со сторонним API.</a:t>
+            </a:r>
+          </a:p>
+          <a:p>
+            <a:pPr marL="482600" indent="-228600">
+              <a:lnSpc>
+                <a:spcPct val="150000"/>
+              </a:lnSpc>
+              <a:buSzPct val="80000"/>
+              <a:buBlip>
+                <a:blip r:embed="rId2"/>
+              </a:buBlip>
+              <a:defRPr sz="1700"/>
+            </a:pPr>
+            <a:r>
+              <a:t>   Предусмотрена возможность переключения языка просмотра (русский, английский).</a:t>
+            </a:r>
+          </a:p>
+          <a:p>
+            <a:pPr marL="482600" indent="-228600">
+              <a:lnSpc>
+                <a:spcPct val="150000"/>
+              </a:lnSpc>
+              <a:buSzPct val="80000"/>
+              <a:buBlip>
+                <a:blip r:embed="rId2"/>
+              </a:buBlip>
+              <a:defRPr sz="1700"/>
+            </a:pPr>
+            <a:r>
+              <a:t>   Предусмотрена возможность переключения цветовой темы сайта.</a:t>
+            </a:r>
+          </a:p>
+          <a:p>
+            <a:pPr marL="482600" indent="-228600">
+              <a:lnSpc>
+                <a:spcPct val="150000"/>
+              </a:lnSpc>
+              <a:buSzPct val="80000"/>
+              <a:buBlip>
+                <a:blip r:embed="rId2"/>
+              </a:buBlip>
+              <a:defRPr sz="1700"/>
+            </a:pPr>
+            <a:r>
+              <a:t>   Проведено тестирование серверной части приложения.</a:t>
+            </a:r>
+          </a:p>
+          <a:p>
+            <a:pPr marL="482600" indent="-228600">
+              <a:lnSpc>
+                <a:spcPct val="150000"/>
+              </a:lnSpc>
+              <a:buSzPct val="80000"/>
+              <a:buBlip>
+                <a:blip r:embed="rId2"/>
+              </a:buBlip>
+              <a:defRPr sz="1700"/>
+            </a:pPr>
+            <a:r>
+              <a:t>   Проведено тестирование клиентской части приложения.</a:t>
+            </a:r>
+          </a:p>
+        </p:txBody>
+      </p:sp>
+      <p:pic>
+        <p:nvPicPr>
+          <p:cNvPr id="359" name="Google Shape;212;g1057795b482_0_0" descr="Google Shape;212;g1057795b482_0_0"/>
+          <p:cNvPicPr>
+            <a:picLocks noChangeAspect="1"/>
+          </p:cNvPicPr>
+          <p:nvPr/>
+        </p:nvPicPr>
+        <p:blipFill>
+          <a:blip r:embed="rId3">
+            <a:extLst/>
+          </a:blip>
+          <a:stretch>
+            <a:fillRect/>
+          </a:stretch>
+        </p:blipFill>
+        <p:spPr>
+          <a:xfrm>
+            <a:off x="-13076" y="2728"/>
+            <a:ext cx="2136016" cy="683072"/>
+          </a:xfrm>
+          <a:prstGeom prst="rect">
+            <a:avLst/>
+          </a:prstGeom>
+          <a:ln w="12700">
+            <a:miter lim="400000"/>
+          </a:ln>
+        </p:spPr>
+      </p:pic>
+      <p:sp>
+        <p:nvSpPr>
+          <p:cNvPr id="360" name="Номер слайда"/>
+          <p:cNvSpPr txBox="1"/>
+          <p:nvPr>
+            <p:ph type="sldNum" sz="quarter" idx="4294967295"/>
+          </p:nvPr>
+        </p:nvSpPr>
+        <p:spPr>
+          <a:xfrm>
+            <a:off x="11552714" y="6369420"/>
+            <a:ext cx="416028" cy="340143"/>
+          </a:xfrm>
+          <a:prstGeom prst="rect">
+            <a:avLst/>
+          </a:prstGeom>
+          <a:extLst>
+            <a:ext uri="{C572A759-6A51-4108-AA02-DFA0A04FC94B}">
+              <ma14:wrappingTextBoxFlag xmlns:ma14="http://schemas.microsoft.com/office/mac/drawingml/2011/main" val="1"/>
+            </a:ext>
+          </a:extLst>
+        </p:spPr>
+        <p:txBody>
+          <a:bodyPr wrap="square"/>
+          <a:lstStyle>
+            <a:lvl1pPr>
+              <a:defRPr sz="2000">
+                <a:solidFill>
+                  <a:schemeClr val="accent6">
+                    <a:lumOff val="-9568"/>
+                  </a:schemeClr>
+                </a:solidFill>
+              </a:defRPr>
+            </a:lvl1pPr>
+          </a:lstStyle>
+          <a:p>
+            <a:pPr/>
+            <a:fld id="{86CB4B4D-7CA3-9044-876B-883B54F8677D}" type="slidenum"/>
+          </a:p>
+        </p:txBody>
+      </p:sp>
+    </p:spTree>
+  </p:cSld>
+  <p:clrMapOvr>
+    <a:masterClrMapping/>
+  </p:clrMapOvr>
+  <p:transition xmlns:p14="http://schemas.microsoft.com/office/powerpoint/2010/main" spd="med" advClick="1"/>
+</p:sld>
+</file>
+
+<file path=ppt/slides/slide8.xml><?xml version="1.0" encoding="utf-8"?>
+<p:sld xmlns:a="http://schemas.openxmlformats.org/drawingml/2006/main" xmlns:r="http://schemas.openxmlformats.org/officeDocument/2006/relationships" xmlns:p="http://schemas.openxmlformats.org/presentationml/2006/main" xmlns:m="http://schemas.openxmlformats.org/officeDocument/2006/math" xmlns:a14="http://schemas.microsoft.com/office/drawing/2010/main" showMasterSp="1" showMasterPhAnim="1">
+  <p:cSld>
+    <p:spTree>
+      <p:nvGrpSpPr>
+        <p:cNvPr id="1" name=""/>
+        <p:cNvGrpSpPr/>
+        <p:nvPr/>
+      </p:nvGrpSpPr>
+      <p:grpSpPr>
+        <a:xfrm>
+          <a:off x="0" y="0"/>
+          <a:ext cx="0" cy="0"/>
+          <a:chOff x="0" y="0"/>
+          <a:chExt cx="0" cy="0"/>
+        </a:xfrm>
+      </p:grpSpPr>
+      <p:sp>
+        <p:nvSpPr>
+          <p:cNvPr id="362" name="Google Shape;463;p20"/>
+          <p:cNvSpPr txBox="1"/>
+          <p:nvPr>
+            <p:ph type="body" sz="quarter" idx="1"/>
+          </p:nvPr>
+        </p:nvSpPr>
+        <p:spPr>
+          <a:xfrm>
+            <a:off x="9933016" y="6210986"/>
+            <a:ext cx="1930971" cy="337922"/>
+          </a:xfrm>
+          <a:prstGeom prst="rect">
+            <a:avLst/>
+          </a:prstGeom>
+        </p:spPr>
+        <p:txBody>
+          <a:bodyPr/>
+          <a:lstStyle>
+            <a:lvl1pPr marL="0">
+              <a:spcBef>
+                <a:spcPts val="0"/>
+              </a:spcBef>
+            </a:lvl1pPr>
+          </a:lstStyle>
+          <a:p>
+            <a:pPr/>
+            <a:r>
+              <a:t>Декабрь 2021 года</a:t>
+            </a:r>
+          </a:p>
+        </p:txBody>
+      </p:sp>
+      <p:sp>
+        <p:nvSpPr>
+          <p:cNvPr id="363" name="Google Shape;465;p20"/>
+          <p:cNvSpPr/>
+          <p:nvPr/>
+        </p:nvSpPr>
+        <p:spPr>
+          <a:xfrm>
+            <a:off x="9409042" y="4683228"/>
+            <a:ext cx="2199862" cy="589425"/>
+          </a:xfrm>
+          <a:prstGeom prst="rect">
+            <a:avLst/>
+          </a:prstGeom>
+          <a:solidFill>
+            <a:srgbClr val="FFFFFF"/>
+          </a:solidFill>
+          <a:ln w="12700">
+            <a:solidFill>
+              <a:srgbClr val="FFFFFF"/>
+            </a:solidFill>
+            <a:miter/>
+          </a:ln>
+        </p:spPr>
+        <p:txBody>
+          <a:bodyPr lIns="0" tIns="0" rIns="0" bIns="0" anchor="ctr"/>
+          <a:lstStyle/>
+          <a:p>
+            <a:pPr algn="ctr">
+              <a:defRPr sz="1800">
+                <a:solidFill>
+                  <a:srgbClr val="FFFFFF"/>
+                </a:solidFill>
+                <a:latin typeface="Calibri"/>
+                <a:ea typeface="Calibri"/>
+                <a:cs typeface="Calibri"/>
+                <a:sym typeface="Calibri"/>
+              </a:defRPr>
+            </a:pPr>
+          </a:p>
+        </p:txBody>
+      </p:sp>
+      <p:pic>
+        <p:nvPicPr>
+          <p:cNvPr id="364" name="Google Shape;466;p20" descr="Google Shape;466;p20"/>
+          <p:cNvPicPr>
+            <a:picLocks noChangeAspect="1"/>
+          </p:cNvPicPr>
+          <p:nvPr/>
+        </p:nvPicPr>
+        <p:blipFill>
+          <a:blip r:embed="rId2">
+            <a:extLst/>
+          </a:blip>
+          <a:stretch>
+            <a:fillRect/>
+          </a:stretch>
+        </p:blipFill>
+        <p:spPr>
+          <a:xfrm>
+            <a:off x="7547" y="4238"/>
+            <a:ext cx="12196990" cy="4201187"/>
+          </a:xfrm>
+          <a:prstGeom prst="rect">
+            <a:avLst/>
+          </a:prstGeom>
+          <a:ln w="12700">
+            <a:miter lim="400000"/>
+          </a:ln>
+        </p:spPr>
+      </p:pic>
+      <p:pic>
+        <p:nvPicPr>
+          <p:cNvPr id="365" name="Google Shape;467;p20" descr="Google Shape;467;p20"/>
           <p:cNvPicPr>
             <a:picLocks noChangeAspect="1"/>
           </p:cNvPicPr>

--- a/Presentation.pptx
+++ b/Presentation.pptx
@@ -16,6 +16,7 @@
     <p:sldId id="261" r:id="rId13"/>
     <p:sldId id="262" r:id="rId14"/>
     <p:sldId id="263" r:id="rId15"/>
+    <p:sldId id="264" r:id="rId16"/>
   </p:sldIdLst>
   <p:sldSz cx="12192000" cy="6858000"/>
   <p:notesSz cx="6858000" cy="9144000"/>
@@ -15792,26 +15793,51 @@
           <a:chExt cx="0" cy="0"/>
         </a:xfrm>
       </p:grpSpPr>
-      <p:sp>
-        <p:nvSpPr>
-          <p:cNvPr id="358" name="В результате работы были решены следующие задачи:…"/>
-          <p:cNvSpPr txBox="1"/>
+      <p:pic>
+        <p:nvPicPr>
+          <p:cNvPr id="358" name="Google Shape;212;g1057795b482_0_0" descr="Google Shape;212;g1057795b482_0_0"/>
+          <p:cNvPicPr>
+            <a:picLocks noChangeAspect="1"/>
+          </p:cNvPicPr>
           <p:nvPr/>
-        </p:nvSpPr>
-        <p:spPr>
-          <a:xfrm>
-            <a:off x="381000" y="825229"/>
-            <a:ext cx="11430000" cy="3651217"/>
-          </a:xfrm>
-          <a:prstGeom prst="rect">
-            <a:avLst/>
-          </a:prstGeom>
-          <a:solidFill>
-            <a:srgbClr val="FFFFFF"/>
-          </a:solidFill>
+        </p:nvPicPr>
+        <p:blipFill>
+          <a:blip r:embed="rId2">
+            <a:extLst/>
+          </a:blip>
+          <a:stretch>
+            <a:fillRect/>
+          </a:stretch>
+        </p:blipFill>
+        <p:spPr>
+          <a:xfrm>
+            <a:off x="-13076" y="2728"/>
+            <a:ext cx="2136016" cy="683072"/>
+          </a:xfrm>
+          <a:prstGeom prst="rect">
+            <a:avLst/>
+          </a:prstGeom>
           <a:ln w="12700">
             <a:miter lim="400000"/>
           </a:ln>
+        </p:spPr>
+      </p:pic>
+      <p:sp>
+        <p:nvSpPr>
+          <p:cNvPr id="359" name="7"/>
+          <p:cNvSpPr txBox="1"/>
+          <p:nvPr>
+            <p:ph type="sldNum" sz="quarter" idx="4294967295"/>
+          </p:nvPr>
+        </p:nvSpPr>
+        <p:spPr>
+          <a:xfrm>
+            <a:off x="11552714" y="6369420"/>
+            <a:ext cx="416028" cy="340143"/>
+          </a:xfrm>
+          <a:prstGeom prst="rect">
+            <a:avLst/>
+          </a:prstGeom>
           <a:extLst>
             <a:ext uri="{C572A759-6A51-4108-AA02-DFA0A04FC94B}">
               <ma14:wrappingTextBoxFlag xmlns:ma14="http://schemas.microsoft.com/office/mac/drawingml/2011/main" val="1"/>
@@ -15819,144 +15845,72 @@
           </a:extLst>
         </p:spPr>
         <p:txBody>
-          <a:bodyPr lIns="0" tIns="0" rIns="0" bIns="0">
-            <a:spAutoFit/>
-          </a:bodyPr>
-          <a:lstStyle/>
-          <a:p>
-            <a:pPr>
-              <a:defRPr sz="1700"/>
-            </a:pPr>
-          </a:p>
-          <a:p>
-            <a:pPr>
+          <a:bodyPr wrap="square"/>
+          <a:lstStyle>
+            <a:lvl1pPr>
+              <a:defRPr sz="2000"/>
+            </a:lvl1pPr>
+          </a:lstStyle>
+          <a:p>
+            <a:pPr/>
+            <a:fld id="{86CB4B4D-7CA3-9044-876B-883B54F8677D}" type="slidenum"/>
+          </a:p>
+        </p:txBody>
+      </p:sp>
+      <p:sp>
+        <p:nvSpPr>
+          <p:cNvPr id="360" name="Функциональность серверной части приложения:"/>
+          <p:cNvSpPr txBox="1"/>
+          <p:nvPr>
+            <p:ph type="title"/>
+          </p:nvPr>
+        </p:nvSpPr>
+        <p:spPr>
+          <a:xfrm>
+            <a:off x="381000" y="719519"/>
+            <a:ext cx="11430000" cy="5715001"/>
+          </a:xfrm>
+          <a:prstGeom prst="rect">
+            <a:avLst/>
+          </a:prstGeom>
+          <a:solidFill>
+            <a:srgbClr val="FFFFFF"/>
+          </a:solidFill>
+        </p:spPr>
+        <p:txBody>
+          <a:bodyPr/>
+          <a:lstStyle>
+            <a:lvl1pPr algn="just">
+              <a:lnSpc>
+                <a:spcPct val="100000"/>
+              </a:lnSpc>
+              <a:spcBef>
+                <a:spcPts val="1000"/>
+              </a:spcBef>
               <a:defRPr b="1" sz="1700" u="sng">
                 <a:solidFill>
                   <a:schemeClr val="accent6">
                     <a:lumOff val="-9568"/>
                   </a:schemeClr>
                 </a:solidFill>
+                <a:latin typeface="+mn-lt"/>
+                <a:ea typeface="+mn-ea"/>
+                <a:cs typeface="+mn-cs"/>
+                <a:sym typeface="Arial"/>
               </a:defRPr>
-            </a:pPr>
-            <a:r>
-              <a:t>В результате работы были решены следующие задачи:</a:t>
-            </a:r>
-          </a:p>
-          <a:p>
-            <a:pPr>
-              <a:defRPr sz="1700"/>
-            </a:pPr>
-          </a:p>
-          <a:p>
-            <a:pPr marL="482600" indent="-228600">
-              <a:lnSpc>
-                <a:spcPct val="150000"/>
-              </a:lnSpc>
-              <a:buSzPct val="80000"/>
-              <a:buBlip>
-                <a:blip r:embed="rId2"/>
-              </a:buBlip>
-              <a:defRPr sz="1700"/>
-            </a:pPr>
-            <a:r>
-              <a:t>   Изучены и выбраны технологии для разработки веб-приложения.</a:t>
-            </a:r>
-          </a:p>
-          <a:p>
-            <a:pPr marL="482600" indent="-228600">
-              <a:lnSpc>
-                <a:spcPct val="150000"/>
-              </a:lnSpc>
-              <a:buSzPct val="80000"/>
-              <a:buBlip>
-                <a:blip r:embed="rId2"/>
-              </a:buBlip>
-              <a:defRPr sz="1700"/>
-            </a:pPr>
-            <a:r>
-              <a:t>   Разработана адаптивная клиентская часть приложения.</a:t>
-            </a:r>
-          </a:p>
-          <a:p>
-            <a:pPr marL="482600" indent="-228600">
-              <a:lnSpc>
-                <a:spcPct val="150000"/>
-              </a:lnSpc>
-              <a:buSzPct val="80000"/>
-              <a:buBlip>
-                <a:blip r:embed="rId2"/>
-              </a:buBlip>
-              <a:defRPr sz="1700"/>
-            </a:pPr>
-            <a:r>
-              <a:t>   Разработана серверная часть приложения для взаимодействия со сторонним API.</a:t>
-            </a:r>
-          </a:p>
-          <a:p>
-            <a:pPr marL="482600" indent="-228600">
-              <a:lnSpc>
-                <a:spcPct val="150000"/>
-              </a:lnSpc>
-              <a:buSzPct val="80000"/>
-              <a:buBlip>
-                <a:blip r:embed="rId2"/>
-              </a:buBlip>
-              <a:defRPr sz="1700"/>
-            </a:pPr>
-            <a:r>
-              <a:t>   Предусмотрена возможность переключения языка просмотра (русский, английский).</a:t>
-            </a:r>
-          </a:p>
-          <a:p>
-            <a:pPr marL="482600" indent="-228600">
-              <a:lnSpc>
-                <a:spcPct val="150000"/>
-              </a:lnSpc>
-              <a:buSzPct val="80000"/>
-              <a:buBlip>
-                <a:blip r:embed="rId2"/>
-              </a:buBlip>
-              <a:defRPr sz="1700"/>
-            </a:pPr>
-            <a:r>
-              <a:t>   Предусмотрена возможность переключения цветовой темы сайта.</a:t>
-            </a:r>
-          </a:p>
-          <a:p>
-            <a:pPr marL="482600" indent="-228600">
-              <a:lnSpc>
-                <a:spcPct val="150000"/>
-              </a:lnSpc>
-              <a:buSzPct val="80000"/>
-              <a:buBlip>
-                <a:blip r:embed="rId2"/>
-              </a:buBlip>
-              <a:defRPr sz="1700"/>
-            </a:pPr>
-            <a:r>
-              <a:t>   Проведено тестирование серверной части приложения.</a:t>
-            </a:r>
-          </a:p>
-          <a:p>
-            <a:pPr marL="482600" indent="-228600">
-              <a:lnSpc>
-                <a:spcPct val="150000"/>
-              </a:lnSpc>
-              <a:buSzPct val="80000"/>
-              <a:buBlip>
-                <a:blip r:embed="rId2"/>
-              </a:buBlip>
-              <a:defRPr sz="1700"/>
-            </a:pPr>
-            <a:r>
-              <a:t>   Проведено тестирование клиентской части приложения.</a:t>
+            </a:lvl1pPr>
+          </a:lstStyle>
+          <a:p>
+            <a:pPr/>
+            <a:r>
+              <a:t>Функциональность серверной части приложения:</a:t>
             </a:r>
           </a:p>
         </p:txBody>
       </p:sp>
       <p:pic>
         <p:nvPicPr>
-          <p:cNvPr id="359" name="Google Shape;212;g1057795b482_0_0" descr="Google Shape;212;g1057795b482_0_0"/>
+          <p:cNvPr id="361" name="Untitled Diagram.drawio-6.png" descr="Untitled Diagram.drawio-6.png"/>
           <p:cNvPicPr>
             <a:picLocks noChangeAspect="1"/>
           </p:cNvPicPr>
@@ -15972,8 +15926,8 @@
         </p:blipFill>
         <p:spPr>
           <a:xfrm>
-            <a:off x="-13076" y="2728"/>
-            <a:ext cx="2136016" cy="683072"/>
+            <a:off x="3168649" y="1401170"/>
+            <a:ext cx="5854701" cy="4584701"/>
           </a:xfrm>
           <a:prstGeom prst="rect">
             <a:avLst/>
@@ -15983,47 +15937,6 @@
           </a:ln>
         </p:spPr>
       </p:pic>
-      <p:sp>
-        <p:nvSpPr>
-          <p:cNvPr id="360" name="Номер слайда"/>
-          <p:cNvSpPr txBox="1"/>
-          <p:nvPr>
-            <p:ph type="sldNum" sz="quarter" idx="4294967295"/>
-          </p:nvPr>
-        </p:nvSpPr>
-        <p:spPr>
-          <a:xfrm>
-            <a:off x="11552714" y="6369420"/>
-            <a:ext cx="416028" cy="340143"/>
-          </a:xfrm>
-          <a:prstGeom prst="rect">
-            <a:avLst/>
-          </a:prstGeom>
-          <a:extLst>
-            <a:ext uri="{C572A759-6A51-4108-AA02-DFA0A04FC94B}">
-              <ma14:wrappingTextBoxFlag xmlns:ma14="http://schemas.microsoft.com/office/mac/drawingml/2011/main" val="1"/>
-            </a:ext>
-          </a:extLst>
-        </p:spPr>
-        <p:txBody>
-          <a:bodyPr wrap="square"/>
-          <a:lstStyle>
-            <a:lvl1pPr>
-              <a:defRPr sz="2000">
-                <a:solidFill>
-                  <a:schemeClr val="accent6">
-                    <a:lumOff val="-9568"/>
-                  </a:schemeClr>
-                </a:solidFill>
-              </a:defRPr>
-            </a:lvl1pPr>
-          </a:lstStyle>
-          <a:p>
-            <a:pPr/>
-            <a:fld id="{86CB4B4D-7CA3-9044-876B-883B54F8677D}" type="slidenum"/>
-          </a:p>
-        </p:txBody>
-      </p:sp>
     </p:spTree>
   </p:cSld>
   <p:clrMapOvr>
@@ -16052,7 +15965,265 @@
       </p:grpSpPr>
       <p:sp>
         <p:nvSpPr>
-          <p:cNvPr id="362" name="Google Shape;463;p20"/>
+          <p:cNvPr id="363" name="В результате работы были решены следующие задачи:…"/>
+          <p:cNvSpPr txBox="1"/>
+          <p:nvPr/>
+        </p:nvSpPr>
+        <p:spPr>
+          <a:xfrm>
+            <a:off x="381000" y="825229"/>
+            <a:ext cx="11430000" cy="3651217"/>
+          </a:xfrm>
+          <a:prstGeom prst="rect">
+            <a:avLst/>
+          </a:prstGeom>
+          <a:solidFill>
+            <a:srgbClr val="FFFFFF"/>
+          </a:solidFill>
+          <a:ln w="12700">
+            <a:miter lim="400000"/>
+          </a:ln>
+          <a:extLst>
+            <a:ext uri="{C572A759-6A51-4108-AA02-DFA0A04FC94B}">
+              <ma14:wrappingTextBoxFlag xmlns:ma14="http://schemas.microsoft.com/office/mac/drawingml/2011/main" val="1"/>
+            </a:ext>
+          </a:extLst>
+        </p:spPr>
+        <p:txBody>
+          <a:bodyPr lIns="0" tIns="0" rIns="0" bIns="0">
+            <a:spAutoFit/>
+          </a:bodyPr>
+          <a:lstStyle/>
+          <a:p>
+            <a:pPr>
+              <a:defRPr sz="1700"/>
+            </a:pPr>
+          </a:p>
+          <a:p>
+            <a:pPr>
+              <a:defRPr b="1" sz="1700" u="sng">
+                <a:solidFill>
+                  <a:schemeClr val="accent6">
+                    <a:lumOff val="-9568"/>
+                  </a:schemeClr>
+                </a:solidFill>
+              </a:defRPr>
+            </a:pPr>
+            <a:r>
+              <a:t>В результате работы были решены следующие задачи:</a:t>
+            </a:r>
+          </a:p>
+          <a:p>
+            <a:pPr>
+              <a:defRPr sz="1700"/>
+            </a:pPr>
+          </a:p>
+          <a:p>
+            <a:pPr marL="482600" indent="-228600">
+              <a:lnSpc>
+                <a:spcPct val="150000"/>
+              </a:lnSpc>
+              <a:buSzPct val="80000"/>
+              <a:buBlip>
+                <a:blip r:embed="rId2"/>
+              </a:buBlip>
+              <a:defRPr sz="1700"/>
+            </a:pPr>
+            <a:r>
+              <a:t>   Изучены и выбраны технологии для разработки веб-приложения.</a:t>
+            </a:r>
+          </a:p>
+          <a:p>
+            <a:pPr marL="482600" indent="-228600">
+              <a:lnSpc>
+                <a:spcPct val="150000"/>
+              </a:lnSpc>
+              <a:buSzPct val="80000"/>
+              <a:buBlip>
+                <a:blip r:embed="rId2"/>
+              </a:buBlip>
+              <a:defRPr sz="1700"/>
+            </a:pPr>
+            <a:r>
+              <a:t>   Разработана адаптивная клиентская часть приложения.</a:t>
+            </a:r>
+          </a:p>
+          <a:p>
+            <a:pPr marL="482600" indent="-228600">
+              <a:lnSpc>
+                <a:spcPct val="150000"/>
+              </a:lnSpc>
+              <a:buSzPct val="80000"/>
+              <a:buBlip>
+                <a:blip r:embed="rId2"/>
+              </a:buBlip>
+              <a:defRPr sz="1700"/>
+            </a:pPr>
+            <a:r>
+              <a:t>   Разработана серверная часть приложения для взаимодействия со сторонним API.</a:t>
+            </a:r>
+          </a:p>
+          <a:p>
+            <a:pPr marL="482600" indent="-228600">
+              <a:lnSpc>
+                <a:spcPct val="150000"/>
+              </a:lnSpc>
+              <a:buSzPct val="80000"/>
+              <a:buBlip>
+                <a:blip r:embed="rId2"/>
+              </a:buBlip>
+              <a:defRPr sz="1700"/>
+            </a:pPr>
+            <a:r>
+              <a:t>   Предусмотрена возможность переключения языка просмотра (русский, английский).</a:t>
+            </a:r>
+          </a:p>
+          <a:p>
+            <a:pPr marL="482600" indent="-228600">
+              <a:lnSpc>
+                <a:spcPct val="150000"/>
+              </a:lnSpc>
+              <a:buSzPct val="80000"/>
+              <a:buBlip>
+                <a:blip r:embed="rId2"/>
+              </a:buBlip>
+              <a:defRPr sz="1700"/>
+            </a:pPr>
+            <a:r>
+              <a:t>   Предусмотрена возможность переключения цветовой темы сайта.</a:t>
+            </a:r>
+          </a:p>
+          <a:p>
+            <a:pPr marL="482600" indent="-228600">
+              <a:lnSpc>
+                <a:spcPct val="150000"/>
+              </a:lnSpc>
+              <a:buSzPct val="80000"/>
+              <a:buBlip>
+                <a:blip r:embed="rId2"/>
+              </a:buBlip>
+              <a:defRPr sz="1700"/>
+            </a:pPr>
+            <a:r>
+              <a:t>   Проведено тестирование серверной части приложения.</a:t>
+            </a:r>
+          </a:p>
+          <a:p>
+            <a:pPr marL="482600" indent="-228600">
+              <a:lnSpc>
+                <a:spcPct val="150000"/>
+              </a:lnSpc>
+              <a:buSzPct val="80000"/>
+              <a:buBlip>
+                <a:blip r:embed="rId2"/>
+              </a:buBlip>
+              <a:defRPr sz="1700"/>
+            </a:pPr>
+            <a:r>
+              <a:t>   Проведено тестирование клиентской части приложения.</a:t>
+            </a:r>
+          </a:p>
+        </p:txBody>
+      </p:sp>
+      <p:pic>
+        <p:nvPicPr>
+          <p:cNvPr id="364" name="Google Shape;212;g1057795b482_0_0" descr="Google Shape;212;g1057795b482_0_0"/>
+          <p:cNvPicPr>
+            <a:picLocks noChangeAspect="1"/>
+          </p:cNvPicPr>
+          <p:nvPr/>
+        </p:nvPicPr>
+        <p:blipFill>
+          <a:blip r:embed="rId3">
+            <a:extLst/>
+          </a:blip>
+          <a:stretch>
+            <a:fillRect/>
+          </a:stretch>
+        </p:blipFill>
+        <p:spPr>
+          <a:xfrm>
+            <a:off x="-13076" y="2728"/>
+            <a:ext cx="2136016" cy="683072"/>
+          </a:xfrm>
+          <a:prstGeom prst="rect">
+            <a:avLst/>
+          </a:prstGeom>
+          <a:ln w="12700">
+            <a:miter lim="400000"/>
+          </a:ln>
+        </p:spPr>
+      </p:pic>
+      <p:sp>
+        <p:nvSpPr>
+          <p:cNvPr id="365" name="Номер слайда"/>
+          <p:cNvSpPr txBox="1"/>
+          <p:nvPr>
+            <p:ph type="sldNum" sz="quarter" idx="4294967295"/>
+          </p:nvPr>
+        </p:nvSpPr>
+        <p:spPr>
+          <a:xfrm>
+            <a:off x="11552714" y="6369420"/>
+            <a:ext cx="416028" cy="340143"/>
+          </a:xfrm>
+          <a:prstGeom prst="rect">
+            <a:avLst/>
+          </a:prstGeom>
+          <a:extLst>
+            <a:ext uri="{C572A759-6A51-4108-AA02-DFA0A04FC94B}">
+              <ma14:wrappingTextBoxFlag xmlns:ma14="http://schemas.microsoft.com/office/mac/drawingml/2011/main" val="1"/>
+            </a:ext>
+          </a:extLst>
+        </p:spPr>
+        <p:txBody>
+          <a:bodyPr wrap="square"/>
+          <a:lstStyle>
+            <a:lvl1pPr>
+              <a:defRPr sz="2000">
+                <a:solidFill>
+                  <a:schemeClr val="accent6">
+                    <a:lumOff val="-9568"/>
+                  </a:schemeClr>
+                </a:solidFill>
+              </a:defRPr>
+            </a:lvl1pPr>
+          </a:lstStyle>
+          <a:p>
+            <a:pPr/>
+            <a:fld id="{86CB4B4D-7CA3-9044-876B-883B54F8677D}" type="slidenum"/>
+          </a:p>
+        </p:txBody>
+      </p:sp>
+    </p:spTree>
+  </p:cSld>
+  <p:clrMapOvr>
+    <a:masterClrMapping/>
+  </p:clrMapOvr>
+  <p:transition xmlns:p14="http://schemas.microsoft.com/office/powerpoint/2010/main" spd="med" advClick="1"/>
+</p:sld>
+</file>
+
+<file path=ppt/slides/slide9.xml><?xml version="1.0" encoding="utf-8"?>
+<p:sld xmlns:a="http://schemas.openxmlformats.org/drawingml/2006/main" xmlns:r="http://schemas.openxmlformats.org/officeDocument/2006/relationships" xmlns:p="http://schemas.openxmlformats.org/presentationml/2006/main" xmlns:m="http://schemas.openxmlformats.org/officeDocument/2006/math" xmlns:a14="http://schemas.microsoft.com/office/drawing/2010/main" showMasterSp="1" showMasterPhAnim="1">
+  <p:cSld>
+    <p:spTree>
+      <p:nvGrpSpPr>
+        <p:cNvPr id="1" name=""/>
+        <p:cNvGrpSpPr/>
+        <p:nvPr/>
+      </p:nvGrpSpPr>
+      <p:grpSpPr>
+        <a:xfrm>
+          <a:off x="0" y="0"/>
+          <a:ext cx="0" cy="0"/>
+          <a:chOff x="0" y="0"/>
+          <a:chExt cx="0" cy="0"/>
+        </a:xfrm>
+      </p:grpSpPr>
+      <p:sp>
+        <p:nvSpPr>
+          <p:cNvPr id="367" name="Google Shape;463;p20"/>
           <p:cNvSpPr txBox="1"/>
           <p:nvPr>
             <p:ph type="body" sz="quarter" idx="1"/>
@@ -16086,7 +16257,7 @@
       </p:sp>
       <p:sp>
         <p:nvSpPr>
-          <p:cNvPr id="363" name="Google Shape;465;p20"/>
+          <p:cNvPr id="368" name="Google Shape;465;p20"/>
           <p:cNvSpPr/>
           <p:nvPr/>
         </p:nvSpPr>
@@ -16128,7 +16299,7 @@
       </p:sp>
       <p:pic>
         <p:nvPicPr>
-          <p:cNvPr id="364" name="Google Shape;466;p20" descr="Google Shape;466;p20"/>
+          <p:cNvPr id="369" name="Google Shape;466;p20" descr="Google Shape;466;p20"/>
           <p:cNvPicPr>
             <a:picLocks noChangeAspect="1"/>
           </p:cNvPicPr>
@@ -16157,7 +16328,7 @@
       </p:pic>
       <p:pic>
         <p:nvPicPr>
-          <p:cNvPr id="365" name="Google Shape;467;p20" descr="Google Shape;467;p20"/>
+          <p:cNvPr id="370" name="Google Shape;467;p20" descr="Google Shape;467;p20"/>
           <p:cNvPicPr>
             <a:picLocks noChangeAspect="1"/>
           </p:cNvPicPr>
